--- a/CST 499 Week 5 Final Project Ben Merritt.pptx
+++ b/CST 499 Week 5 Final Project Ben Merritt.pptx
@@ -636,10 +636,7 @@
           <a:bodyPr/>
           <a:lstStyle/>
           <a:p>
-            <a:r>
-              <a:rPr lang="en-US"/>
-              <a:t>I hope this journey through the Scrum Framework has shed light on its benefits and distinct characteristics in modern project management. We explored the key elements, roles, responsibilities, events, and artifacts to understand this dynamic methodology that cultivates collaboration, adaptability, and iterative progress. We examined the benefits of using Scrum and how it differs from traditional methods, such as the Waterfall Model. Finally, we reviewed Scrum in action through a group-planned vacation case study and the best practices for adopting Scrum. By embracing Scrum Framework and its principles, organizations can overcome the complexities of modern project management. It creates a culture of continuous improvement and customer-centricity that will lead to project excellence and customer satisfaction! </a:t>
-            </a:r>
+            <a:endParaRPr lang="en-US"/>
           </a:p>
         </p:txBody>
       </p:sp>
@@ -659,8 +656,8 @@
           <a:lstStyle/>
           <a:p>
             <a:fld id="{12F150A0-7AFB-491F-9BD3-A3FCB716EDCA}" type="slidenum">
-              <a:rPr lang="en-US"/>
-              <a:t>16</a:t>
+              <a:rPr lang="en-US" smtClean="0"/>
+              <a:t>10</a:t>
             </a:fld>
             <a:endParaRPr lang="en-US"/>
           </a:p>
@@ -669,7 +666,7 @@
     </p:spTree>
     <p:extLst>
       <p:ext uri="{BB962C8B-B14F-4D97-AF65-F5344CB8AC3E}">
-        <p14:creationId xmlns:p14="http://schemas.microsoft.com/office/powerpoint/2010/main" val="3341190118"/>
+        <p14:creationId xmlns:p14="http://schemas.microsoft.com/office/powerpoint/2010/main" val="1403888384"/>
       </p:ext>
     </p:extLst>
   </p:cSld>
@@ -723,6 +720,512 @@
           <a:bodyPr/>
           <a:lstStyle/>
           <a:p>
+            <a:endParaRPr lang="en-US" dirty="0">
+              <a:cs typeface="Calibri"/>
+            </a:endParaRPr>
+          </a:p>
+        </p:txBody>
+      </p:sp>
+      <p:sp>
+        <p:nvSpPr>
+          <p:cNvPr id="4" name="Slide Number Placeholder 3"/>
+          <p:cNvSpPr>
+            <a:spLocks noGrp="1"/>
+          </p:cNvSpPr>
+          <p:nvPr>
+            <p:ph type="sldNum" sz="quarter" idx="5"/>
+          </p:nvPr>
+        </p:nvSpPr>
+        <p:spPr/>
+        <p:txBody>
+          <a:bodyPr/>
+          <a:lstStyle/>
+          <a:p>
+            <a:fld id="{12F150A0-7AFB-491F-9BD3-A3FCB716EDCA}" type="slidenum">
+              <a:rPr lang="en-US"/>
+              <a:t>11</a:t>
+            </a:fld>
+            <a:endParaRPr lang="en-US"/>
+          </a:p>
+        </p:txBody>
+      </p:sp>
+    </p:spTree>
+    <p:extLst>
+      <p:ext uri="{BB962C8B-B14F-4D97-AF65-F5344CB8AC3E}">
+        <p14:creationId xmlns:p14="http://schemas.microsoft.com/office/powerpoint/2010/main" val="656643409"/>
+      </p:ext>
+    </p:extLst>
+  </p:cSld>
+  <p:clrMapOvr>
+    <a:masterClrMapping/>
+  </p:clrMapOvr>
+</p:notes>
+</file>
+
+<file path=ppt/notesSlides/notesSlide12.xml><?xml version="1.0" encoding="utf-8"?>
+<p:notes xmlns:a="http://schemas.openxmlformats.org/drawingml/2006/main" xmlns:r="http://schemas.openxmlformats.org/officeDocument/2006/relationships" xmlns:p="http://schemas.openxmlformats.org/presentationml/2006/main">
+  <p:cSld>
+    <p:spTree>
+      <p:nvGrpSpPr>
+        <p:cNvPr id="1" name=""/>
+        <p:cNvGrpSpPr/>
+        <p:nvPr/>
+      </p:nvGrpSpPr>
+      <p:grpSpPr>
+        <a:xfrm>
+          <a:off x="0" y="0"/>
+          <a:ext cx="0" cy="0"/>
+          <a:chOff x="0" y="0"/>
+          <a:chExt cx="0" cy="0"/>
+        </a:xfrm>
+      </p:grpSpPr>
+      <p:sp>
+        <p:nvSpPr>
+          <p:cNvPr id="2" name="Slide Image Placeholder 1"/>
+          <p:cNvSpPr>
+            <a:spLocks noGrp="1" noRot="1" noChangeAspect="1"/>
+          </p:cNvSpPr>
+          <p:nvPr>
+            <p:ph type="sldImg"/>
+          </p:nvPr>
+        </p:nvSpPr>
+        <p:spPr/>
+      </p:sp>
+      <p:sp>
+        <p:nvSpPr>
+          <p:cNvPr id="3" name="Notes Placeholder 2"/>
+          <p:cNvSpPr>
+            <a:spLocks noGrp="1"/>
+          </p:cNvSpPr>
+          <p:nvPr>
+            <p:ph type="body" idx="1"/>
+          </p:nvPr>
+        </p:nvSpPr>
+        <p:spPr/>
+        <p:txBody>
+          <a:bodyPr/>
+          <a:lstStyle/>
+          <a:p>
+            <a:endParaRPr lang="en-US" dirty="0"/>
+          </a:p>
+        </p:txBody>
+      </p:sp>
+      <p:sp>
+        <p:nvSpPr>
+          <p:cNvPr id="4" name="Slide Number Placeholder 3"/>
+          <p:cNvSpPr>
+            <a:spLocks noGrp="1"/>
+          </p:cNvSpPr>
+          <p:nvPr>
+            <p:ph type="sldNum" sz="quarter" idx="5"/>
+          </p:nvPr>
+        </p:nvSpPr>
+        <p:spPr/>
+        <p:txBody>
+          <a:bodyPr/>
+          <a:lstStyle/>
+          <a:p>
+            <a:fld id="{12F150A0-7AFB-491F-9BD3-A3FCB716EDCA}" type="slidenum">
+              <a:rPr lang="en-US"/>
+              <a:t>12</a:t>
+            </a:fld>
+            <a:endParaRPr lang="en-US"/>
+          </a:p>
+        </p:txBody>
+      </p:sp>
+    </p:spTree>
+    <p:extLst>
+      <p:ext uri="{BB962C8B-B14F-4D97-AF65-F5344CB8AC3E}">
+        <p14:creationId xmlns:p14="http://schemas.microsoft.com/office/powerpoint/2010/main" val="3971225456"/>
+      </p:ext>
+    </p:extLst>
+  </p:cSld>
+  <p:clrMapOvr>
+    <a:masterClrMapping/>
+  </p:clrMapOvr>
+</p:notes>
+</file>
+
+<file path=ppt/notesSlides/notesSlide13.xml><?xml version="1.0" encoding="utf-8"?>
+<p:notes xmlns:a="http://schemas.openxmlformats.org/drawingml/2006/main" xmlns:r="http://schemas.openxmlformats.org/officeDocument/2006/relationships" xmlns:p="http://schemas.openxmlformats.org/presentationml/2006/main">
+  <p:cSld>
+    <p:spTree>
+      <p:nvGrpSpPr>
+        <p:cNvPr id="1" name=""/>
+        <p:cNvGrpSpPr/>
+        <p:nvPr/>
+      </p:nvGrpSpPr>
+      <p:grpSpPr>
+        <a:xfrm>
+          <a:off x="0" y="0"/>
+          <a:ext cx="0" cy="0"/>
+          <a:chOff x="0" y="0"/>
+          <a:chExt cx="0" cy="0"/>
+        </a:xfrm>
+      </p:grpSpPr>
+      <p:sp>
+        <p:nvSpPr>
+          <p:cNvPr id="2" name="Slide Image Placeholder 1"/>
+          <p:cNvSpPr>
+            <a:spLocks noGrp="1" noRot="1" noChangeAspect="1"/>
+          </p:cNvSpPr>
+          <p:nvPr>
+            <p:ph type="sldImg"/>
+          </p:nvPr>
+        </p:nvSpPr>
+        <p:spPr/>
+      </p:sp>
+      <p:sp>
+        <p:nvSpPr>
+          <p:cNvPr id="3" name="Notes Placeholder 2"/>
+          <p:cNvSpPr>
+            <a:spLocks noGrp="1"/>
+          </p:cNvSpPr>
+          <p:nvPr>
+            <p:ph type="body" idx="1"/>
+          </p:nvPr>
+        </p:nvSpPr>
+        <p:spPr/>
+        <p:txBody>
+          <a:bodyPr/>
+          <a:lstStyle/>
+          <a:p>
+            <a:endParaRPr lang="en-US" dirty="0"/>
+          </a:p>
+        </p:txBody>
+      </p:sp>
+      <p:sp>
+        <p:nvSpPr>
+          <p:cNvPr id="4" name="Slide Number Placeholder 3"/>
+          <p:cNvSpPr>
+            <a:spLocks noGrp="1"/>
+          </p:cNvSpPr>
+          <p:nvPr>
+            <p:ph type="sldNum" sz="quarter" idx="5"/>
+          </p:nvPr>
+        </p:nvSpPr>
+        <p:spPr/>
+        <p:txBody>
+          <a:bodyPr/>
+          <a:lstStyle/>
+          <a:p>
+            <a:fld id="{12F150A0-7AFB-491F-9BD3-A3FCB716EDCA}" type="slidenum">
+              <a:rPr lang="en-US"/>
+              <a:t>13</a:t>
+            </a:fld>
+            <a:endParaRPr lang="en-US"/>
+          </a:p>
+        </p:txBody>
+      </p:sp>
+    </p:spTree>
+    <p:extLst>
+      <p:ext uri="{BB962C8B-B14F-4D97-AF65-F5344CB8AC3E}">
+        <p14:creationId xmlns:p14="http://schemas.microsoft.com/office/powerpoint/2010/main" val="3127857818"/>
+      </p:ext>
+    </p:extLst>
+  </p:cSld>
+  <p:clrMapOvr>
+    <a:masterClrMapping/>
+  </p:clrMapOvr>
+</p:notes>
+</file>
+
+<file path=ppt/notesSlides/notesSlide14.xml><?xml version="1.0" encoding="utf-8"?>
+<p:notes xmlns:a="http://schemas.openxmlformats.org/drawingml/2006/main" xmlns:r="http://schemas.openxmlformats.org/officeDocument/2006/relationships" xmlns:p="http://schemas.openxmlformats.org/presentationml/2006/main">
+  <p:cSld>
+    <p:spTree>
+      <p:nvGrpSpPr>
+        <p:cNvPr id="1" name=""/>
+        <p:cNvGrpSpPr/>
+        <p:nvPr/>
+      </p:nvGrpSpPr>
+      <p:grpSpPr>
+        <a:xfrm>
+          <a:off x="0" y="0"/>
+          <a:ext cx="0" cy="0"/>
+          <a:chOff x="0" y="0"/>
+          <a:chExt cx="0" cy="0"/>
+        </a:xfrm>
+      </p:grpSpPr>
+      <p:sp>
+        <p:nvSpPr>
+          <p:cNvPr id="2" name="Slide Image Placeholder 1"/>
+          <p:cNvSpPr>
+            <a:spLocks noGrp="1" noRot="1" noChangeAspect="1"/>
+          </p:cNvSpPr>
+          <p:nvPr>
+            <p:ph type="sldImg"/>
+          </p:nvPr>
+        </p:nvSpPr>
+        <p:spPr/>
+      </p:sp>
+      <p:sp>
+        <p:nvSpPr>
+          <p:cNvPr id="3" name="Notes Placeholder 2"/>
+          <p:cNvSpPr>
+            <a:spLocks noGrp="1"/>
+          </p:cNvSpPr>
+          <p:nvPr>
+            <p:ph type="body" idx="1"/>
+          </p:nvPr>
+        </p:nvSpPr>
+        <p:spPr/>
+        <p:txBody>
+          <a:bodyPr/>
+          <a:lstStyle/>
+          <a:p>
+            <a:endParaRPr lang="en-US" dirty="0"/>
+          </a:p>
+        </p:txBody>
+      </p:sp>
+      <p:sp>
+        <p:nvSpPr>
+          <p:cNvPr id="4" name="Slide Number Placeholder 3"/>
+          <p:cNvSpPr>
+            <a:spLocks noGrp="1"/>
+          </p:cNvSpPr>
+          <p:nvPr>
+            <p:ph type="sldNum" sz="quarter" idx="5"/>
+          </p:nvPr>
+        </p:nvSpPr>
+        <p:spPr/>
+        <p:txBody>
+          <a:bodyPr/>
+          <a:lstStyle/>
+          <a:p>
+            <a:fld id="{12F150A0-7AFB-491F-9BD3-A3FCB716EDCA}" type="slidenum">
+              <a:rPr lang="en-US"/>
+              <a:t>14</a:t>
+            </a:fld>
+            <a:endParaRPr lang="en-US"/>
+          </a:p>
+        </p:txBody>
+      </p:sp>
+    </p:spTree>
+    <p:extLst>
+      <p:ext uri="{BB962C8B-B14F-4D97-AF65-F5344CB8AC3E}">
+        <p14:creationId xmlns:p14="http://schemas.microsoft.com/office/powerpoint/2010/main" val="768540306"/>
+      </p:ext>
+    </p:extLst>
+  </p:cSld>
+  <p:clrMapOvr>
+    <a:masterClrMapping/>
+  </p:clrMapOvr>
+</p:notes>
+</file>
+
+<file path=ppt/notesSlides/notesSlide15.xml><?xml version="1.0" encoding="utf-8"?>
+<p:notes xmlns:a="http://schemas.openxmlformats.org/drawingml/2006/main" xmlns:r="http://schemas.openxmlformats.org/officeDocument/2006/relationships" xmlns:p="http://schemas.openxmlformats.org/presentationml/2006/main">
+  <p:cSld>
+    <p:spTree>
+      <p:nvGrpSpPr>
+        <p:cNvPr id="1" name=""/>
+        <p:cNvGrpSpPr/>
+        <p:nvPr/>
+      </p:nvGrpSpPr>
+      <p:grpSpPr>
+        <a:xfrm>
+          <a:off x="0" y="0"/>
+          <a:ext cx="0" cy="0"/>
+          <a:chOff x="0" y="0"/>
+          <a:chExt cx="0" cy="0"/>
+        </a:xfrm>
+      </p:grpSpPr>
+      <p:sp>
+        <p:nvSpPr>
+          <p:cNvPr id="2" name="Slide Image Placeholder 1"/>
+          <p:cNvSpPr>
+            <a:spLocks noGrp="1" noRot="1" noChangeAspect="1"/>
+          </p:cNvSpPr>
+          <p:nvPr>
+            <p:ph type="sldImg"/>
+          </p:nvPr>
+        </p:nvSpPr>
+        <p:spPr/>
+      </p:sp>
+      <p:sp>
+        <p:nvSpPr>
+          <p:cNvPr id="3" name="Notes Placeholder 2"/>
+          <p:cNvSpPr>
+            <a:spLocks noGrp="1"/>
+          </p:cNvSpPr>
+          <p:nvPr>
+            <p:ph type="body" idx="1"/>
+          </p:nvPr>
+        </p:nvSpPr>
+        <p:spPr/>
+        <p:txBody>
+          <a:bodyPr/>
+          <a:lstStyle/>
+          <a:p>
+            <a:endParaRPr lang="en-US" dirty="0"/>
+          </a:p>
+        </p:txBody>
+      </p:sp>
+      <p:sp>
+        <p:nvSpPr>
+          <p:cNvPr id="4" name="Slide Number Placeholder 3"/>
+          <p:cNvSpPr>
+            <a:spLocks noGrp="1"/>
+          </p:cNvSpPr>
+          <p:nvPr>
+            <p:ph type="sldNum" sz="quarter" idx="5"/>
+          </p:nvPr>
+        </p:nvSpPr>
+        <p:spPr/>
+        <p:txBody>
+          <a:bodyPr/>
+          <a:lstStyle/>
+          <a:p>
+            <a:fld id="{12F150A0-7AFB-491F-9BD3-A3FCB716EDCA}" type="slidenum">
+              <a:rPr lang="en-US"/>
+              <a:t>15</a:t>
+            </a:fld>
+            <a:endParaRPr lang="en-US"/>
+          </a:p>
+        </p:txBody>
+      </p:sp>
+    </p:spTree>
+    <p:extLst>
+      <p:ext uri="{BB962C8B-B14F-4D97-AF65-F5344CB8AC3E}">
+        <p14:creationId xmlns:p14="http://schemas.microsoft.com/office/powerpoint/2010/main" val="2610182973"/>
+      </p:ext>
+    </p:extLst>
+  </p:cSld>
+  <p:clrMapOvr>
+    <a:masterClrMapping/>
+  </p:clrMapOvr>
+</p:notes>
+</file>
+
+<file path=ppt/notesSlides/notesSlide16.xml><?xml version="1.0" encoding="utf-8"?>
+<p:notes xmlns:a="http://schemas.openxmlformats.org/drawingml/2006/main" xmlns:r="http://schemas.openxmlformats.org/officeDocument/2006/relationships" xmlns:p="http://schemas.openxmlformats.org/presentationml/2006/main">
+  <p:cSld>
+    <p:spTree>
+      <p:nvGrpSpPr>
+        <p:cNvPr id="1" name=""/>
+        <p:cNvGrpSpPr/>
+        <p:nvPr/>
+      </p:nvGrpSpPr>
+      <p:grpSpPr>
+        <a:xfrm>
+          <a:off x="0" y="0"/>
+          <a:ext cx="0" cy="0"/>
+          <a:chOff x="0" y="0"/>
+          <a:chExt cx="0" cy="0"/>
+        </a:xfrm>
+      </p:grpSpPr>
+      <p:sp>
+        <p:nvSpPr>
+          <p:cNvPr id="2" name="Slide Image Placeholder 1"/>
+          <p:cNvSpPr>
+            <a:spLocks noGrp="1" noRot="1" noChangeAspect="1"/>
+          </p:cNvSpPr>
+          <p:nvPr>
+            <p:ph type="sldImg"/>
+          </p:nvPr>
+        </p:nvSpPr>
+        <p:spPr/>
+      </p:sp>
+      <p:sp>
+        <p:nvSpPr>
+          <p:cNvPr id="3" name="Notes Placeholder 2"/>
+          <p:cNvSpPr>
+            <a:spLocks noGrp="1"/>
+          </p:cNvSpPr>
+          <p:nvPr>
+            <p:ph type="body" idx="1"/>
+          </p:nvPr>
+        </p:nvSpPr>
+        <p:spPr/>
+        <p:txBody>
+          <a:bodyPr/>
+          <a:lstStyle/>
+          <a:p>
+            <a:endParaRPr lang="en-US" dirty="0"/>
+          </a:p>
+        </p:txBody>
+      </p:sp>
+      <p:sp>
+        <p:nvSpPr>
+          <p:cNvPr id="4" name="Slide Number Placeholder 3"/>
+          <p:cNvSpPr>
+            <a:spLocks noGrp="1"/>
+          </p:cNvSpPr>
+          <p:nvPr>
+            <p:ph type="sldNum" sz="quarter" idx="5"/>
+          </p:nvPr>
+        </p:nvSpPr>
+        <p:spPr/>
+        <p:txBody>
+          <a:bodyPr/>
+          <a:lstStyle/>
+          <a:p>
+            <a:fld id="{12F150A0-7AFB-491F-9BD3-A3FCB716EDCA}" type="slidenum">
+              <a:rPr lang="en-US"/>
+              <a:t>16</a:t>
+            </a:fld>
+            <a:endParaRPr lang="en-US"/>
+          </a:p>
+        </p:txBody>
+      </p:sp>
+    </p:spTree>
+    <p:extLst>
+      <p:ext uri="{BB962C8B-B14F-4D97-AF65-F5344CB8AC3E}">
+        <p14:creationId xmlns:p14="http://schemas.microsoft.com/office/powerpoint/2010/main" val="3341190118"/>
+      </p:ext>
+    </p:extLst>
+  </p:cSld>
+  <p:clrMapOvr>
+    <a:masterClrMapping/>
+  </p:clrMapOvr>
+</p:notes>
+</file>
+
+<file path=ppt/notesSlides/notesSlide17.xml><?xml version="1.0" encoding="utf-8"?>
+<p:notes xmlns:a="http://schemas.openxmlformats.org/drawingml/2006/main" xmlns:r="http://schemas.openxmlformats.org/officeDocument/2006/relationships" xmlns:p="http://schemas.openxmlformats.org/presentationml/2006/main">
+  <p:cSld>
+    <p:spTree>
+      <p:nvGrpSpPr>
+        <p:cNvPr id="1" name=""/>
+        <p:cNvGrpSpPr/>
+        <p:nvPr/>
+      </p:nvGrpSpPr>
+      <p:grpSpPr>
+        <a:xfrm>
+          <a:off x="0" y="0"/>
+          <a:ext cx="0" cy="0"/>
+          <a:chOff x="0" y="0"/>
+          <a:chExt cx="0" cy="0"/>
+        </a:xfrm>
+      </p:grpSpPr>
+      <p:sp>
+        <p:nvSpPr>
+          <p:cNvPr id="2" name="Slide Image Placeholder 1"/>
+          <p:cNvSpPr>
+            <a:spLocks noGrp="1" noRot="1" noChangeAspect="1"/>
+          </p:cNvSpPr>
+          <p:nvPr>
+            <p:ph type="sldImg"/>
+          </p:nvPr>
+        </p:nvSpPr>
+        <p:spPr/>
+      </p:sp>
+      <p:sp>
+        <p:nvSpPr>
+          <p:cNvPr id="3" name="Notes Placeholder 2"/>
+          <p:cNvSpPr>
+            <a:spLocks noGrp="1"/>
+          </p:cNvSpPr>
+          <p:nvPr>
+            <p:ph type="body" idx="1"/>
+          </p:nvPr>
+        </p:nvSpPr>
+        <p:spPr/>
+        <p:txBody>
+          <a:bodyPr/>
+          <a:lstStyle/>
+          <a:p>
             <a:endParaRPr lang="en-US"/>
           </a:p>
         </p:txBody>
@@ -763,7 +1266,7 @@
 </p:notes>
 </file>
 
-<file path=ppt/notesSlides/notesSlide12.xml><?xml version="1.0" encoding="utf-8"?>
+<file path=ppt/notesSlides/notesSlide18.xml><?xml version="1.0" encoding="utf-8"?>
 <p:notes xmlns:a="http://schemas.openxmlformats.org/drawingml/2006/main" xmlns:r="http://schemas.openxmlformats.org/officeDocument/2006/relationships" xmlns:p="http://schemas.openxmlformats.org/presentationml/2006/main">
   <p:cSld>
     <p:spTree>
@@ -891,10 +1394,7 @@
           <a:bodyPr/>
           <a:lstStyle/>
           <a:p>
-            <a:r>
-              <a:rPr lang="en-US"/>
-              <a:t>I hope this journey through the Scrum Framework has shed light on its benefits and distinct characteristics in modern project management. We explored the key elements, roles, responsibilities, events, and artifacts to understand this dynamic methodology that cultivates collaboration, adaptability, and iterative progress. We examined the benefits of using Scrum and how it differs from traditional methods, such as the Waterfall Model. Finally, we reviewed Scrum in action through a group-planned vacation case study and the best practices for adopting Scrum. By embracing Scrum Framework and its principles, organizations can overcome the complexities of modern project management. It creates a culture of continuous improvement and customer-centricity that will lead to project excellence and customer satisfaction! </a:t>
-            </a:r>
+            <a:endParaRPr lang="en-US" dirty="0"/>
           </a:p>
         </p:txBody>
       </p:sp>
@@ -978,31 +1478,7 @@
           <a:bodyPr/>
           <a:lstStyle/>
           <a:p>
-            <a:r>
-              <a:rPr lang="en-US"/>
-              <a:t>In this case study, our team of five coworkers used Scrum to plan the vacation to Hawaii. We decided to use Scrum because we wanted to have a flexible and collaborative approach that would allow us to adjust to changing requirements and feedback.</a:t>
-            </a:r>
-          </a:p>
-          <a:p>
-            <a:r>
-              <a:rPr lang="en-US"/>
-              <a:t> </a:t>
-            </a:r>
-            <a:endParaRPr lang="en-US">
-              <a:cs typeface="Calibri"/>
-            </a:endParaRPr>
-          </a:p>
-          <a:p>
-            <a:r>
-              <a:rPr lang="en-US"/>
-              <a:t>The first step was to define the product vision and the product backlog. The product vision was a statement that described the desired outcome of the vacation: "To have a memorable and enjoyable vacation in Hawaii that meets everyone's needs and expectations". The product backlog was a list of ten features and tasks that would contribute to the product vision, such as booking flights and hotels, researching attractions and activities, creating a budget, packing, etc. The product owner prioritized the backlog items based on their value and urgency.</a:t>
-            </a:r>
-            <a:endParaRPr lang="en-US">
-              <a:cs typeface="Calibri"/>
-            </a:endParaRPr>
-          </a:p>
-          <a:p>
-            <a:endParaRPr lang="en-US">
+            <a:endParaRPr lang="en-US" dirty="0">
               <a:ea typeface="Calibri"/>
               <a:cs typeface="Calibri"/>
             </a:endParaRPr>
@@ -1088,31 +1564,7 @@
           <a:bodyPr/>
           <a:lstStyle/>
           <a:p>
-            <a:r>
-              <a:rPr lang="en-US"/>
-              <a:t>In this case study, our team of five coworkers used Scrum to plan the vacation to Hawaii. We decided to use Scrum because we wanted to have a flexible and collaborative approach that would allow us to adjust to changing requirements and feedback.</a:t>
-            </a:r>
-          </a:p>
-          <a:p>
-            <a:r>
-              <a:rPr lang="en-US"/>
-              <a:t> </a:t>
-            </a:r>
-            <a:endParaRPr lang="en-US">
-              <a:cs typeface="Calibri"/>
-            </a:endParaRPr>
-          </a:p>
-          <a:p>
-            <a:r>
-              <a:rPr lang="en-US"/>
-              <a:t>The first step was to define the product vision and the product backlog. The product vision was a statement that described the desired outcome of the vacation: "To have a memorable and enjoyable vacation in Hawaii that meets everyone's needs and expectations". The product backlog was a list of ten features and tasks that would contribute to the product vision, such as booking flights and hotels, researching attractions and activities, creating a budget, packing, etc. The product owner prioritized the backlog items based on their value and urgency.</a:t>
-            </a:r>
-            <a:endParaRPr lang="en-US">
-              <a:cs typeface="Calibri"/>
-            </a:endParaRPr>
-          </a:p>
-          <a:p>
-            <a:endParaRPr lang="en-US">
+            <a:endParaRPr lang="en-US" dirty="0">
               <a:ea typeface="Calibri"/>
               <a:cs typeface="Calibri"/>
             </a:endParaRPr>
@@ -1198,28 +1650,7 @@
           <a:bodyPr/>
           <a:lstStyle/>
           <a:p>
-            <a:r>
-              <a:rPr lang="en-US"/>
-              <a:t>The Scrum Master is the specific individual responsible for ensuring that Scrum values, practices and rules are enacted and enforced. They coach the team, the product owner, and the business on the scrum process and look for ways to fine-tune their practice of it. The Scum Master is sometimes characterized as the project manager who leads by coaching, teaching and supporting the Team rather than directing and controlling. A Scrum Master is not a project manager. Project managers don't really have a place in the scrum methodology. The project manager role within Scrum ceases to exist as its responsibilities are moved to the other Scrum roles. </a:t>
-            </a:r>
-          </a:p>
-          <a:p>
-            <a:r>
-              <a:rPr lang="en-US"/>
-              <a:t>Product owners are not managing the status of the program. A product owner is not a project manager. They ensure that the development team delivers the most value to the business. Also, it's important that the product owner be an individual. The role of the Product Owner is the most complex one regarding the procedure being followed. Product owners are the champions for their product. They are focus on understanding the business and market requirements, then prioritizing the work to be done by the engineering team accordingly.</a:t>
-            </a:r>
-            <a:endParaRPr lang="en-US">
-              <a:cs typeface="Calibri"/>
-            </a:endParaRPr>
-          </a:p>
-          <a:p>
-            <a:r>
-              <a:rPr lang="en-US"/>
-              <a:t>Scrum teams are the champions for sustainable development practices. The most effective scrum teams are tight-knit, co-located, and is typically seven people, plus or minus two. Teams are cross functional, having all the skills needed to create an increment i.e. team members have differing skill sets, and cross-train each other so no one person becomes a bottleneck in the delivery of work. Strong scrum teams approach their project with a clear "we" attitude. All members of the team help one another to ensure a successful sprint completion. </a:t>
-            </a:r>
-            <a:endParaRPr lang="en-US">
-              <a:cs typeface="Calibri"/>
-            </a:endParaRPr>
+            <a:endParaRPr lang="en-US"/>
           </a:p>
         </p:txBody>
       </p:sp>
@@ -1239,8 +1670,8 @@
           <a:lstStyle/>
           <a:p>
             <a:fld id="{12F150A0-7AFB-491F-9BD3-A3FCB716EDCA}" type="slidenum">
-              <a:rPr lang="en-US"/>
-              <a:t>11</a:t>
+              <a:rPr lang="en-US" smtClean="0"/>
+              <a:t>5</a:t>
             </a:fld>
             <a:endParaRPr lang="en-US"/>
           </a:p>
@@ -1249,7 +1680,7 @@
     </p:spTree>
     <p:extLst>
       <p:ext uri="{BB962C8B-B14F-4D97-AF65-F5344CB8AC3E}">
-        <p14:creationId xmlns:p14="http://schemas.microsoft.com/office/powerpoint/2010/main" val="656643409"/>
+        <p14:creationId xmlns:p14="http://schemas.microsoft.com/office/powerpoint/2010/main" val="2909547562"/>
       </p:ext>
     </p:extLst>
   </p:cSld>
@@ -1303,10 +1734,7 @@
           <a:bodyPr/>
           <a:lstStyle/>
           <a:p>
-            <a:r>
-              <a:rPr lang="en-US"/>
-              <a:t>Scrum is designed to be flexible and adaptable to changing requirements and priorities. It allows teams to regularly reassess and reprioritize tasks based on feedback and emerging needs, enabling quicker responses to market demands. Scrum emphasizes delivering working increments of the product at the end of each sprint. This frequent delivery of tangible results ensures that customer feedback is regularly incorporated into the product, increasing customer satisfaction. While Scrum offers numerous benefits, it is essential to remember that the successful implementation of Scrum requires commitment, adherence to its principles, and continuous learning and improvement by the team and the organization.</a:t>
-            </a:r>
+            <a:endParaRPr lang="en-US"/>
           </a:p>
         </p:txBody>
       </p:sp>
@@ -1326,8 +1754,8 @@
           <a:lstStyle/>
           <a:p>
             <a:fld id="{12F150A0-7AFB-491F-9BD3-A3FCB716EDCA}" type="slidenum">
-              <a:rPr lang="en-US"/>
-              <a:t>12</a:t>
+              <a:rPr lang="en-US" smtClean="0"/>
+              <a:t>6</a:t>
             </a:fld>
             <a:endParaRPr lang="en-US"/>
           </a:p>
@@ -1336,7 +1764,7 @@
     </p:spTree>
     <p:extLst>
       <p:ext uri="{BB962C8B-B14F-4D97-AF65-F5344CB8AC3E}">
-        <p14:creationId xmlns:p14="http://schemas.microsoft.com/office/powerpoint/2010/main" val="3971225456"/>
+        <p14:creationId xmlns:p14="http://schemas.microsoft.com/office/powerpoint/2010/main" val="4024248355"/>
       </p:ext>
     </p:extLst>
   </p:cSld>
@@ -1390,10 +1818,7 @@
           <a:bodyPr/>
           <a:lstStyle/>
           <a:p>
-            <a:r>
-              <a:rPr lang="en-US"/>
-              <a:t>Scrum is designed to be flexible and adaptable to changing requirements and priorities. It allows teams to regularly reassess and reprioritize tasks based on feedback and emerging needs, enabling quicker responses to market demands. Scrum emphasizes delivering working increments of the product at the end of each sprint. This frequent delivery of tangible results ensures that customer feedback is regularly incorporated into the product, increasing customer satisfaction. While Scrum offers numerous benefits, it is essential to remember that the successful implementation of Scrum requires commitment, adherence to its principles, and continuous learning and improvement by the team and the organization.</a:t>
-            </a:r>
+            <a:endParaRPr lang="en-US"/>
           </a:p>
         </p:txBody>
       </p:sp>
@@ -1413,8 +1838,8 @@
           <a:lstStyle/>
           <a:p>
             <a:fld id="{12F150A0-7AFB-491F-9BD3-A3FCB716EDCA}" type="slidenum">
-              <a:rPr lang="en-US"/>
-              <a:t>13</a:t>
+              <a:rPr lang="en-US" smtClean="0"/>
+              <a:t>7</a:t>
             </a:fld>
             <a:endParaRPr lang="en-US"/>
           </a:p>
@@ -1423,7 +1848,7 @@
     </p:spTree>
     <p:extLst>
       <p:ext uri="{BB962C8B-B14F-4D97-AF65-F5344CB8AC3E}">
-        <p14:creationId xmlns:p14="http://schemas.microsoft.com/office/powerpoint/2010/main" val="3127857818"/>
+        <p14:creationId xmlns:p14="http://schemas.microsoft.com/office/powerpoint/2010/main" val="282590344"/>
       </p:ext>
     </p:extLst>
   </p:cSld>
@@ -1477,10 +1902,7 @@
           <a:bodyPr/>
           <a:lstStyle/>
           <a:p>
-            <a:r>
-              <a:rPr lang="en-US"/>
-              <a:t>Scrum is designed to be flexible and adaptable to changing requirements and priorities. It allows teams to regularly reassess and reprioritize tasks based on feedback and emerging needs, enabling quicker responses to market demands. Scrum emphasizes delivering working increments of the product at the end of each sprint. This frequent delivery of tangible results ensures that customer feedback is regularly incorporated into the product, increasing customer satisfaction. While Scrum offers numerous benefits, it is essential to remember that the successful implementation of Scrum requires commitment, adherence to its principles, and continuous learning and improvement by the team and the organization.</a:t>
-            </a:r>
+            <a:endParaRPr lang="en-US"/>
           </a:p>
         </p:txBody>
       </p:sp>
@@ -1500,8 +1922,8 @@
           <a:lstStyle/>
           <a:p>
             <a:fld id="{12F150A0-7AFB-491F-9BD3-A3FCB716EDCA}" type="slidenum">
-              <a:rPr lang="en-US"/>
-              <a:t>14</a:t>
+              <a:rPr lang="en-US" smtClean="0"/>
+              <a:t>8</a:t>
             </a:fld>
             <a:endParaRPr lang="en-US"/>
           </a:p>
@@ -1510,7 +1932,7 @@
     </p:spTree>
     <p:extLst>
       <p:ext uri="{BB962C8B-B14F-4D97-AF65-F5344CB8AC3E}">
-        <p14:creationId xmlns:p14="http://schemas.microsoft.com/office/powerpoint/2010/main" val="768540306"/>
+        <p14:creationId xmlns:p14="http://schemas.microsoft.com/office/powerpoint/2010/main" val="814176370"/>
       </p:ext>
     </p:extLst>
   </p:cSld>
@@ -1564,10 +1986,7 @@
           <a:bodyPr/>
           <a:lstStyle/>
           <a:p>
-            <a:r>
-              <a:rPr lang="en-US"/>
-              <a:t>Scrum is designed to be flexible and adaptable to changing requirements and priorities. It allows teams to regularly reassess and reprioritize tasks based on feedback and emerging needs, enabling quicker responses to market demands. Scrum emphasizes delivering working increments of the product at the end of each sprint. This frequent delivery of tangible results ensures that customer feedback is regularly incorporated into the product, increasing customer satisfaction. While Scrum offers numerous benefits, it is essential to remember that the successful implementation of Scrum requires commitment, adherence to its principles, and continuous learning and improvement by the team and the organization.</a:t>
-            </a:r>
+            <a:endParaRPr lang="en-US"/>
           </a:p>
         </p:txBody>
       </p:sp>
@@ -1587,8 +2006,8 @@
           <a:lstStyle/>
           <a:p>
             <a:fld id="{12F150A0-7AFB-491F-9BD3-A3FCB716EDCA}" type="slidenum">
-              <a:rPr lang="en-US"/>
-              <a:t>15</a:t>
+              <a:rPr lang="en-US" smtClean="0"/>
+              <a:t>9</a:t>
             </a:fld>
             <a:endParaRPr lang="en-US"/>
           </a:p>
@@ -1597,7 +2016,7 @@
     </p:spTree>
     <p:extLst>
       <p:ext uri="{BB962C8B-B14F-4D97-AF65-F5344CB8AC3E}">
-        <p14:creationId xmlns:p14="http://schemas.microsoft.com/office/powerpoint/2010/main" val="2610182973"/>
+        <p14:creationId xmlns:p14="http://schemas.microsoft.com/office/powerpoint/2010/main" val="2140470303"/>
       </p:ext>
     </p:extLst>
   </p:cSld>
@@ -7679,7 +8098,7 @@
           <p:nvPr/>
         </p:nvPicPr>
         <p:blipFill>
-          <a:blip r:embed="rId2">
+          <a:blip r:embed="rId3">
             <a:extLst>
               <a:ext uri="{28A0092B-C50C-407E-A947-70E740481C1C}">
                 <a14:useLocalDpi xmlns:a14="http://schemas.microsoft.com/office/drawing/2010/main" val="0"/>
@@ -9740,7 +10159,7 @@
           <p:nvPr/>
         </p:nvPicPr>
         <p:blipFill>
-          <a:blip r:embed="rId2">
+          <a:blip r:embed="rId3">
             <a:extLst>
               <a:ext uri="{28A0092B-C50C-407E-A947-70E740481C1C}">
                 <a14:useLocalDpi xmlns:a14="http://schemas.microsoft.com/office/drawing/2010/main" val="0"/>
@@ -9876,7 +10295,7 @@
           <p:nvPr/>
         </p:nvPicPr>
         <p:blipFill>
-          <a:blip r:embed="rId2">
+          <a:blip r:embed="rId3">
             <a:extLst>
               <a:ext uri="{28A0092B-C50C-407E-A947-70E740481C1C}">
                 <a14:useLocalDpi xmlns:a14="http://schemas.microsoft.com/office/drawing/2010/main" val="0"/>
@@ -10011,7 +10430,7 @@
           <p:nvPr/>
         </p:nvPicPr>
         <p:blipFill>
-          <a:blip r:embed="rId2">
+          <a:blip r:embed="rId3">
             <a:extLst>
               <a:ext uri="{28A0092B-C50C-407E-A947-70E740481C1C}">
                 <a14:useLocalDpi xmlns:a14="http://schemas.microsoft.com/office/drawing/2010/main" val="0"/>
@@ -10146,7 +10565,7 @@
           <p:nvPr/>
         </p:nvPicPr>
         <p:blipFill>
-          <a:blip r:embed="rId2">
+          <a:blip r:embed="rId3">
             <a:extLst>
               <a:ext uri="{28A0092B-C50C-407E-A947-70E740481C1C}">
                 <a14:useLocalDpi xmlns:a14="http://schemas.microsoft.com/office/drawing/2010/main" val="0"/>
@@ -10251,7 +10670,7 @@
           <p:nvPr/>
         </p:nvPicPr>
         <p:blipFill>
-          <a:blip r:embed="rId3">
+          <a:blip r:embed="rId4">
             <a:extLst>
               <a:ext uri="{28A0092B-C50C-407E-A947-70E740481C1C}">
                 <a14:useLocalDpi xmlns:a14="http://schemas.microsoft.com/office/drawing/2010/main" val="0"/>
@@ -10316,7 +10735,7 @@
           <p:nvPr/>
         </p:nvPicPr>
         <p:blipFill>
-          <a:blip r:embed="rId2">
+          <a:blip r:embed="rId3">
             <a:extLst>
               <a:ext uri="{28A0092B-C50C-407E-A947-70E740481C1C}">
                 <a14:useLocalDpi xmlns:a14="http://schemas.microsoft.com/office/drawing/2010/main" val="0"/>
